--- a/Squeezenet.pptx
+++ b/Squeezenet.pptx
@@ -8,7 +8,7 @@
     <p:notesMasterId r:id="rId13"/>
   </p:notesMasterIdLst>
   <p:sldIdLst>
-    <p:sldId id="256" r:id="rId2"/>
+    <p:sldId id="361" r:id="rId2"/>
     <p:sldId id="347" r:id="rId3"/>
     <p:sldId id="348" r:id="rId4"/>
     <p:sldId id="349" r:id="rId5"/>
@@ -122,7 +122,7 @@
       <p14:sectionLst xmlns:p14="http://schemas.microsoft.com/office/powerpoint/2010/main">
         <p14:section name="기본 구역" id="{9F8FD5A0-BA7C-46AB-8DA5-EA18D3040B7B}">
           <p14:sldIdLst>
-            <p14:sldId id="256"/>
+            <p14:sldId id="361"/>
             <p14:sldId id="347"/>
             <p14:sldId id="348"/>
             <p14:sldId id="349"/>
@@ -673,7 +673,7 @@
           <a:p>
             <a:fld id="{7D92DA24-4A99-4AF9-8484-0E77EEF4FB30}" type="datetimeFigureOut">
               <a:rPr lang="ko-KR" altLang="en-US" smtClean="0"/>
-              <a:t>2019-04-18</a:t>
+              <a:t>2019-07-26</a:t>
             </a:fld>
             <a:endParaRPr lang="ko-KR" altLang="en-US" dirty="0"/>
           </a:p>
@@ -999,66 +999,6 @@
       </p:sp>
       <p:sp>
         <p:nvSpPr>
-          <p:cNvPr id="6147" name="Rectangle 3"/>
-          <p:cNvSpPr>
-            <a:spLocks noGrp="1" noChangeArrowheads="1"/>
-          </p:cNvSpPr>
-          <p:nvPr>
-            <p:ph type="subTitle" sz="quarter" idx="1" hasCustomPrompt="1"/>
-          </p:nvPr>
-        </p:nvSpPr>
-        <p:spPr>
-          <a:xfrm>
-            <a:off x="571462" y="5733256"/>
-            <a:ext cx="11049077" cy="406287"/>
-          </a:xfrm>
-          <a:prstGeom prst="rect">
-            <a:avLst/>
-          </a:prstGeom>
-          <a:ln>
-            <a:noFill/>
-          </a:ln>
-        </p:spPr>
-        <p:txBody>
-          <a:bodyPr/>
-          <a:lstStyle>
-            <a:lvl1pPr marL="0" indent="0" algn="ctr">
-              <a:buFont typeface="Wingdings" pitchFamily="2" charset="2"/>
-              <a:buNone/>
-              <a:defRPr sz="1600" b="1" baseline="0">
-                <a:solidFill>
-                  <a:schemeClr val="tx1"/>
-                </a:solidFill>
-                <a:latin typeface="Microsoft YaHei UI" panose="020B0503020204020204" pitchFamily="34" charset="-122"/>
-              </a:defRPr>
-            </a:lvl1pPr>
-          </a:lstStyle>
-          <a:p>
-            <a:r>
-              <a:rPr lang="ko-KR" altLang="en-US" dirty="0">
-                <a:latin typeface="Arial" charset="0"/>
-              </a:rPr>
-              <a:t>데이터분석실 김승원</a:t>
-            </a:r>
-            <a:endParaRPr lang="en-US" altLang="ko-KR" dirty="0">
-              <a:latin typeface="Arial" charset="0"/>
-            </a:endParaRPr>
-          </a:p>
-          <a:p>
-            <a:r>
-              <a:rPr lang="en-US" sz="1400" dirty="0">
-                <a:latin typeface="Arial Unicode MS" pitchFamily="50" charset="-127"/>
-                <a:ea typeface="Arial Unicode MS" pitchFamily="50" charset="-127"/>
-                <a:cs typeface="Arial Unicode MS" pitchFamily="50" charset="-127"/>
-              </a:rPr>
-              <a:t>  </a:t>
-            </a:r>
-            <a:endParaRPr lang="ko-KR" altLang="en-US" dirty="0"/>
-          </a:p>
-        </p:txBody>
-      </p:sp>
-      <p:sp>
-        <p:nvSpPr>
           <p:cNvPr id="6149" name="Rectangle 5"/>
           <p:cNvSpPr>
             <a:spLocks noChangeArrowheads="1"/>
@@ -1175,236 +1115,6 @@
               <a:defRPr/>
             </a:pPr>
             <a:endParaRPr lang="ko-KR" altLang="en-US" sz="1800" dirty="0"/>
-          </a:p>
-        </p:txBody>
-      </p:sp>
-      <p:sp>
-        <p:nvSpPr>
-          <p:cNvPr id="10" name="Rectangle 3"/>
-          <p:cNvSpPr txBox="1">
-            <a:spLocks noChangeArrowheads="1"/>
-          </p:cNvSpPr>
-          <p:nvPr userDrawn="1"/>
-        </p:nvSpPr>
-        <p:spPr bwMode="auto">
-          <a:xfrm>
-            <a:off x="561110" y="6157595"/>
-            <a:ext cx="11049077" cy="406287"/>
-          </a:xfrm>
-          <a:prstGeom prst="rect">
-            <a:avLst/>
-          </a:prstGeom>
-          <a:noFill/>
-          <a:ln w="12700" cmpd="sng">
-            <a:noFill/>
-            <a:prstDash val="dash"/>
-            <a:miter lim="800000"/>
-            <a:headEnd/>
-            <a:tailEnd/>
-          </a:ln>
-          <a:effectLst/>
-        </p:spPr>
-        <p:txBody>
-          <a:bodyPr vert="horz" wrap="square" lIns="92075" tIns="46038" rIns="92075" bIns="46038" numCol="1" anchor="t" anchorCtr="0" compatLnSpc="1">
-            <a:prstTxWarp prst="textNoShape">
-              <a:avLst/>
-            </a:prstTxWarp>
-          </a:bodyPr>
-          <a:lstStyle>
-            <a:lvl1pPr marL="0" indent="0" algn="ctr" rtl="0" eaLnBrk="1" fontAlgn="base" latinLnBrk="1" hangingPunct="1">
-              <a:spcBef>
-                <a:spcPct val="20000"/>
-              </a:spcBef>
-              <a:spcAft>
-                <a:spcPct val="0"/>
-              </a:spcAft>
-              <a:buClr>
-                <a:srgbClr val="9900FF"/>
-              </a:buClr>
-              <a:buFont typeface="Wingdings" pitchFamily="2" charset="2"/>
-              <a:buNone/>
-              <a:defRPr kumimoji="1" sz="1600" b="0" baseline="0">
-                <a:solidFill>
-                  <a:srgbClr val="00B050"/>
-                </a:solidFill>
-                <a:latin typeface="+mn-lt"/>
-                <a:ea typeface="+mn-ea"/>
-                <a:cs typeface="+mn-cs"/>
-              </a:defRPr>
-            </a:lvl1pPr>
-            <a:lvl2pPr marL="742950" indent="-285750" algn="l" rtl="0" eaLnBrk="1" fontAlgn="base" latinLnBrk="1" hangingPunct="1">
-              <a:spcBef>
-                <a:spcPct val="20000"/>
-              </a:spcBef>
-              <a:spcAft>
-                <a:spcPct val="0"/>
-              </a:spcAft>
-              <a:buClr>
-                <a:srgbClr val="6600FF"/>
-              </a:buClr>
-              <a:buFont typeface="Wingdings" panose="05000000000000000000" pitchFamily="2" charset="2"/>
-              <a:buChar char="u"/>
-              <a:defRPr kumimoji="1" sz="1800" b="1">
-                <a:solidFill>
-                  <a:schemeClr val="tx1"/>
-                </a:solidFill>
-                <a:latin typeface="+mn-lt"/>
-                <a:ea typeface="+mn-ea"/>
-              </a:defRPr>
-            </a:lvl2pPr>
-            <a:lvl3pPr marL="914400" indent="0" algn="l" rtl="0" eaLnBrk="1" fontAlgn="base" latinLnBrk="1" hangingPunct="1">
-              <a:spcBef>
-                <a:spcPct val="20000"/>
-              </a:spcBef>
-              <a:spcAft>
-                <a:spcPct val="0"/>
-              </a:spcAft>
-              <a:buClr>
-                <a:srgbClr val="CC3300"/>
-              </a:buClr>
-              <a:buFontTx/>
-              <a:buNone/>
-              <a:defRPr kumimoji="1" sz="1600" b="1">
-                <a:solidFill>
-                  <a:srgbClr val="336600"/>
-                </a:solidFill>
-                <a:latin typeface="+mn-lt"/>
-                <a:ea typeface="+mn-ea"/>
-              </a:defRPr>
-            </a:lvl3pPr>
-            <a:lvl4pPr marL="1371600" indent="0" algn="l" rtl="0" eaLnBrk="1" fontAlgn="base" latinLnBrk="1" hangingPunct="1">
-              <a:spcBef>
-                <a:spcPct val="20000"/>
-              </a:spcBef>
-              <a:spcAft>
-                <a:spcPct val="0"/>
-              </a:spcAft>
-              <a:buClr>
-                <a:srgbClr val="009900"/>
-              </a:buClr>
-              <a:buFontTx/>
-              <a:buNone/>
-              <a:defRPr kumimoji="1" sz="1400" b="1">
-                <a:solidFill>
-                  <a:schemeClr val="tx1"/>
-                </a:solidFill>
-                <a:latin typeface="+mn-lt"/>
-                <a:ea typeface="+mn-ea"/>
-              </a:defRPr>
-            </a:lvl4pPr>
-            <a:lvl5pPr marL="1828800" indent="0" algn="l" rtl="0" eaLnBrk="1" fontAlgn="base" latinLnBrk="1" hangingPunct="1">
-              <a:spcBef>
-                <a:spcPct val="20000"/>
-              </a:spcBef>
-              <a:spcAft>
-                <a:spcPct val="0"/>
-              </a:spcAft>
-              <a:buClr>
-                <a:srgbClr val="009999"/>
-              </a:buClr>
-              <a:buFontTx/>
-              <a:buNone/>
-              <a:defRPr kumimoji="1" sz="1400" b="1">
-                <a:solidFill>
-                  <a:schemeClr val="tx1"/>
-                </a:solidFill>
-                <a:latin typeface="+mn-lt"/>
-                <a:ea typeface="+mn-ea"/>
-              </a:defRPr>
-            </a:lvl5pPr>
-            <a:lvl6pPr marL="2514600" indent="-228600" algn="l" rtl="0" eaLnBrk="1" fontAlgn="base" latinLnBrk="1" hangingPunct="1">
-              <a:spcBef>
-                <a:spcPct val="20000"/>
-              </a:spcBef>
-              <a:spcAft>
-                <a:spcPct val="0"/>
-              </a:spcAft>
-              <a:buClr>
-                <a:srgbClr val="009999"/>
-              </a:buClr>
-              <a:buFont typeface="Symbol" pitchFamily="18" charset="2"/>
-              <a:buChar char="§"/>
-              <a:defRPr kumimoji="1" sz="1400" b="1">
-                <a:solidFill>
-                  <a:schemeClr val="tx1"/>
-                </a:solidFill>
-                <a:latin typeface="+mn-lt"/>
-                <a:ea typeface="+mn-ea"/>
-              </a:defRPr>
-            </a:lvl6pPr>
-            <a:lvl7pPr marL="2971800" indent="-228600" algn="l" rtl="0" eaLnBrk="1" fontAlgn="base" latinLnBrk="1" hangingPunct="1">
-              <a:spcBef>
-                <a:spcPct val="20000"/>
-              </a:spcBef>
-              <a:spcAft>
-                <a:spcPct val="0"/>
-              </a:spcAft>
-              <a:buClr>
-                <a:srgbClr val="009999"/>
-              </a:buClr>
-              <a:buFont typeface="Symbol" pitchFamily="18" charset="2"/>
-              <a:buChar char="§"/>
-              <a:defRPr kumimoji="1" sz="1400" b="1">
-                <a:solidFill>
-                  <a:schemeClr val="tx1"/>
-                </a:solidFill>
-                <a:latin typeface="+mn-lt"/>
-                <a:ea typeface="+mn-ea"/>
-              </a:defRPr>
-            </a:lvl7pPr>
-            <a:lvl8pPr marL="3429000" indent="-228600" algn="l" rtl="0" eaLnBrk="1" fontAlgn="base" latinLnBrk="1" hangingPunct="1">
-              <a:spcBef>
-                <a:spcPct val="20000"/>
-              </a:spcBef>
-              <a:spcAft>
-                <a:spcPct val="0"/>
-              </a:spcAft>
-              <a:buClr>
-                <a:srgbClr val="009999"/>
-              </a:buClr>
-              <a:buFont typeface="Symbol" pitchFamily="18" charset="2"/>
-              <a:buChar char="§"/>
-              <a:defRPr kumimoji="1" sz="1400" b="1">
-                <a:solidFill>
-                  <a:schemeClr val="tx1"/>
-                </a:solidFill>
-                <a:latin typeface="+mn-lt"/>
-                <a:ea typeface="+mn-ea"/>
-              </a:defRPr>
-            </a:lvl8pPr>
-            <a:lvl9pPr marL="3886200" indent="-228600" algn="l" rtl="0" eaLnBrk="1" fontAlgn="base" latinLnBrk="1" hangingPunct="1">
-              <a:spcBef>
-                <a:spcPct val="20000"/>
-              </a:spcBef>
-              <a:spcAft>
-                <a:spcPct val="0"/>
-              </a:spcAft>
-              <a:buClr>
-                <a:srgbClr val="009999"/>
-              </a:buClr>
-              <a:buFont typeface="Symbol" pitchFamily="18" charset="2"/>
-              <a:buChar char="§"/>
-              <a:defRPr kumimoji="1" sz="1400" b="1">
-                <a:solidFill>
-                  <a:schemeClr val="tx1"/>
-                </a:solidFill>
-                <a:latin typeface="+mn-lt"/>
-                <a:ea typeface="+mn-ea"/>
-              </a:defRPr>
-            </a:lvl9pPr>
-          </a:lstStyle>
-          <a:p>
-            <a:r>
-              <a:rPr lang="en-US" sz="1600" kern="0" dirty="0">
-                <a:latin typeface="Microsoft YaHei UI" panose="020B0503020204020204" pitchFamily="34" charset="-122"/>
-                <a:ea typeface="Microsoft YaHei UI" panose="020B0503020204020204" pitchFamily="34" charset="-122"/>
-                <a:cs typeface="Arial Unicode MS" pitchFamily="50" charset="-127"/>
-              </a:rPr>
-              <a:t>seungzzang@bluehole.net  </a:t>
-            </a:r>
-            <a:endParaRPr lang="ko-KR" altLang="en-US" sz="1600" kern="0" dirty="0">
-              <a:latin typeface="Microsoft YaHei UI" panose="020B0503020204020204" pitchFamily="34" charset="-122"/>
-            </a:endParaRPr>
           </a:p>
         </p:txBody>
       </p:sp>
@@ -1937,696 +1647,10 @@
           </a:p>
         </p:txBody>
       </p:sp>
-      <p:pic>
-        <p:nvPicPr>
-          <p:cNvPr id="12" name="그림 11">
-            <a:extLst>
-              <a:ext uri="{FF2B5EF4-FFF2-40B4-BE49-F238E27FC236}">
-                <a16:creationId xmlns:a16="http://schemas.microsoft.com/office/drawing/2014/main" id="{1AA49BF6-7E3B-4A51-8E35-356FC9AF3589}"/>
-              </a:ext>
-            </a:extLst>
-          </p:cNvPr>
-          <p:cNvPicPr>
-            <a:picLocks noChangeAspect="1"/>
-          </p:cNvPicPr>
-          <p:nvPr userDrawn="1"/>
-        </p:nvPicPr>
-        <p:blipFill rotWithShape="1">
-          <a:blip r:embed="rId2" cstate="print">
-            <a:extLst>
-              <a:ext uri="{28A0092B-C50C-407E-A947-70E740481C1C}">
-                <a14:useLocalDpi xmlns:a14="http://schemas.microsoft.com/office/drawing/2010/main" val="0"/>
-              </a:ext>
-            </a:extLst>
-          </a:blip>
-          <a:srcRect t="1" b="10263"/>
-          <a:stretch/>
-        </p:blipFill>
-        <p:spPr>
-          <a:xfrm>
-            <a:off x="11139762" y="53975"/>
-            <a:ext cx="677589" cy="498817"/>
-          </a:xfrm>
-          <a:prstGeom prst="rect">
-            <a:avLst/>
-          </a:prstGeom>
-        </p:spPr>
-      </p:pic>
     </p:spTree>
     <p:extLst>
       <p:ext uri="{BB962C8B-B14F-4D97-AF65-F5344CB8AC3E}">
         <p14:creationId xmlns:p14="http://schemas.microsoft.com/office/powerpoint/2010/main" val="3658628898"/>
-      </p:ext>
-    </p:extLst>
-  </p:cSld>
-  <p:clrMapOvr>
-    <a:masterClrMapping/>
-  </p:clrMapOvr>
-</p:sldLayout>
-</file>
-
-<file path=ppt/slideLayouts/slideLayout3.xml><?xml version="1.0" encoding="utf-8"?>
-<p:sldLayout xmlns:a="http://schemas.openxmlformats.org/drawingml/2006/main" xmlns:r="http://schemas.openxmlformats.org/officeDocument/2006/relationships" xmlns:p="http://schemas.openxmlformats.org/presentationml/2006/main" preserve="1" userDrawn="1">
-  <p:cSld name="1_제목 슬라이드">
-    <p:bg>
-      <p:bgPr>
-        <a:blipFill dpi="0" rotWithShape="1">
-          <a:blip r:embed="rId2">
-            <a:lum/>
-          </a:blip>
-          <a:srcRect/>
-          <a:stretch>
-            <a:fillRect/>
-          </a:stretch>
-        </a:blipFill>
-        <a:effectLst/>
-      </p:bgPr>
-    </p:bg>
-    <p:spTree>
-      <p:nvGrpSpPr>
-        <p:cNvPr id="1" name=""/>
-        <p:cNvGrpSpPr/>
-        <p:nvPr/>
-      </p:nvGrpSpPr>
-      <p:grpSpPr>
-        <a:xfrm>
-          <a:off x="0" y="0"/>
-          <a:ext cx="0" cy="0"/>
-          <a:chOff x="0" y="0"/>
-          <a:chExt cx="0" cy="0"/>
-        </a:xfrm>
-      </p:grpSpPr>
-      <p:sp>
-        <p:nvSpPr>
-          <p:cNvPr id="10" name="슬라이드 번호 개체 틀 5">
-            <a:extLst>
-              <a:ext uri="{FF2B5EF4-FFF2-40B4-BE49-F238E27FC236}">
-                <a16:creationId xmlns:a16="http://schemas.microsoft.com/office/drawing/2014/main" id="{FFB13677-85F0-C34C-9A52-15D7BCB90492}"/>
-              </a:ext>
-            </a:extLst>
-          </p:cNvPr>
-          <p:cNvSpPr>
-            <a:spLocks noGrp="1"/>
-          </p:cNvSpPr>
-          <p:nvPr>
-            <p:ph type="sldNum" sz="quarter" idx="4"/>
-          </p:nvPr>
-        </p:nvSpPr>
-        <p:spPr>
-          <a:xfrm>
-            <a:off x="9177132" y="6217897"/>
-            <a:ext cx="2743200" cy="365125"/>
-          </a:xfrm>
-          <a:prstGeom prst="rect">
-            <a:avLst/>
-          </a:prstGeom>
-        </p:spPr>
-        <p:txBody>
-          <a:bodyPr anchor="b"/>
-          <a:lstStyle>
-            <a:lvl1pPr algn="r">
-              <a:defRPr sz="1000" b="0" i="0">
-                <a:solidFill>
-                  <a:srgbClr val="9B989A"/>
-                </a:solidFill>
-                <a:latin typeface="Noto Sans CJK KR" panose="020B0500000000000000" pitchFamily="34" charset="-128"/>
-                <a:ea typeface="Noto Sans CJK KR" panose="020B0500000000000000" pitchFamily="34" charset="-128"/>
-              </a:defRPr>
-            </a:lvl1pPr>
-          </a:lstStyle>
-          <a:p>
-            <a:fld id="{CFA82E36-DF30-1241-8602-D9430FD68CCB}" type="slidenum">
-              <a:rPr kumimoji="1" lang="ko-KR" altLang="en-US" smtClean="0"/>
-              <a:pPr/>
-              <a:t>‹#›</a:t>
-            </a:fld>
-            <a:endParaRPr kumimoji="1" lang="ko-KR" altLang="en-US" dirty="0"/>
-          </a:p>
-        </p:txBody>
-      </p:sp>
-      <p:pic>
-        <p:nvPicPr>
-          <p:cNvPr id="4" name="그림 3">
-            <a:extLst>
-              <a:ext uri="{FF2B5EF4-FFF2-40B4-BE49-F238E27FC236}">
-                <a16:creationId xmlns:a16="http://schemas.microsoft.com/office/drawing/2014/main" id="{9AE15731-87BE-408F-A269-1F750696FFB4}"/>
-              </a:ext>
-            </a:extLst>
-          </p:cNvPr>
-          <p:cNvPicPr>
-            <a:picLocks noChangeAspect="1"/>
-          </p:cNvPicPr>
-          <p:nvPr userDrawn="1"/>
-        </p:nvPicPr>
-        <p:blipFill>
-          <a:blip r:embed="rId3">
-            <a:extLst>
-              <a:ext uri="{28A0092B-C50C-407E-A947-70E740481C1C}">
-                <a14:useLocalDpi xmlns:a14="http://schemas.microsoft.com/office/drawing/2010/main" val="0"/>
-              </a:ext>
-            </a:extLst>
-          </a:blip>
-          <a:stretch>
-            <a:fillRect/>
-          </a:stretch>
-        </p:blipFill>
-        <p:spPr>
-          <a:xfrm>
-            <a:off x="3552" y="283"/>
-            <a:ext cx="12184896" cy="6857433"/>
-          </a:xfrm>
-          <a:prstGeom prst="rect">
-            <a:avLst/>
-          </a:prstGeom>
-        </p:spPr>
-      </p:pic>
-      <p:sp>
-        <p:nvSpPr>
-          <p:cNvPr id="5" name="부제목 2">
-            <a:extLst>
-              <a:ext uri="{FF2B5EF4-FFF2-40B4-BE49-F238E27FC236}">
-                <a16:creationId xmlns:a16="http://schemas.microsoft.com/office/drawing/2014/main" id="{BB815BDE-1867-4B83-8133-99036ABD035C}"/>
-              </a:ext>
-            </a:extLst>
-          </p:cNvPr>
-          <p:cNvSpPr>
-            <a:spLocks noGrp="1"/>
-          </p:cNvSpPr>
-          <p:nvPr>
-            <p:ph type="subTitle" idx="1"/>
-          </p:nvPr>
-        </p:nvSpPr>
-        <p:spPr>
-          <a:xfrm>
-            <a:off x="1942240" y="1568268"/>
-            <a:ext cx="8467725" cy="1655762"/>
-          </a:xfrm>
-        </p:spPr>
-        <p:txBody>
-          <a:bodyPr>
-            <a:normAutofit/>
-          </a:bodyPr>
-          <a:lstStyle>
-            <a:lvl1pPr>
-              <a:defRPr sz="3200"/>
-            </a:lvl1pPr>
-          </a:lstStyle>
-          <a:p>
-            <a:pPr algn="ctr"/>
-            <a:endParaRPr kumimoji="1" lang="en-US" altLang="ko-KR" sz="4000" dirty="0">
-              <a:latin typeface="Microsoft YaHei UI" panose="020B0503020204020204" pitchFamily="34" charset="-122"/>
-            </a:endParaRPr>
-          </a:p>
-          <a:p>
-            <a:pPr algn="ctr"/>
-            <a:r>
-              <a:rPr kumimoji="1" lang="en-US" altLang="ko-KR" sz="4000" dirty="0">
-                <a:latin typeface="Microsoft YaHei UI" panose="020B0503020204020204" pitchFamily="34" charset="-122"/>
-              </a:rPr>
-              <a:t>Deep Learning Part</a:t>
-            </a:r>
-            <a:endParaRPr kumimoji="1" lang="ko-KR" altLang="en-US" sz="4000" dirty="0">
-              <a:latin typeface="Microsoft YaHei UI" panose="020B0503020204020204" pitchFamily="34" charset="-122"/>
-            </a:endParaRPr>
-          </a:p>
-        </p:txBody>
-      </p:sp>
-      <p:graphicFrame>
-        <p:nvGraphicFramePr>
-          <p:cNvPr id="6" name="표 25">
-            <a:extLst>
-              <a:ext uri="{FF2B5EF4-FFF2-40B4-BE49-F238E27FC236}">
-                <a16:creationId xmlns:a16="http://schemas.microsoft.com/office/drawing/2014/main" id="{D6E04FD3-D5D6-45B6-B87C-744F07392CFC}"/>
-              </a:ext>
-            </a:extLst>
-          </p:cNvPr>
-          <p:cNvGraphicFramePr>
-            <a:graphicFrameLocks noGrp="1"/>
-          </p:cNvGraphicFramePr>
-          <p:nvPr userDrawn="1">
-            <p:extLst>
-              <p:ext uri="{D42A27DB-BD31-4B8C-83A1-F6EECF244321}">
-                <p14:modId xmlns:p14="http://schemas.microsoft.com/office/powerpoint/2010/main" val="3333281295"/>
-              </p:ext>
-            </p:extLst>
-          </p:nvPr>
-        </p:nvGraphicFramePr>
-        <p:xfrm>
-          <a:off x="359384" y="5289732"/>
-          <a:ext cx="2110577" cy="822960"/>
-        </p:xfrm>
-        <a:graphic>
-          <a:graphicData uri="http://schemas.openxmlformats.org/drawingml/2006/table">
-            <a:tbl>
-              <a:tblPr/>
-              <a:tblGrid>
-                <a:gridCol w="2110577">
-                  <a:extLst>
-                    <a:ext uri="{9D8B030D-6E8A-4147-A177-3AD203B41FA5}">
-                      <a16:colId xmlns:a16="http://schemas.microsoft.com/office/drawing/2014/main" val="20000"/>
-                    </a:ext>
-                  </a:extLst>
-                </a:gridCol>
-              </a:tblGrid>
-              <a:tr h="182880">
-                <a:tc>
-                  <a:txBody>
-                    <a:bodyPr/>
-                    <a:lstStyle/>
-                    <a:p>
-                      <a:pPr marL="0" marR="0" indent="0" algn="ctr" defTabSz="914400" rtl="0" eaLnBrk="1" fontAlgn="auto" latinLnBrk="1" hangingPunct="1">
-                        <a:lnSpc>
-                          <a:spcPct val="100000"/>
-                        </a:lnSpc>
-                        <a:spcBef>
-                          <a:spcPts val="0"/>
-                        </a:spcBef>
-                        <a:spcAft>
-                          <a:spcPts val="0"/>
-                        </a:spcAft>
-                        <a:buClrTx/>
-                        <a:buSzTx/>
-                        <a:buFontTx/>
-                        <a:buNone/>
-                        <a:tabLst/>
-                        <a:defRPr/>
-                      </a:pPr>
-                      <a:r>
-                        <a:rPr kumimoji="0" lang="en-US" altLang="ko-KR" sz="1200" b="1" dirty="0" err="1">
-                          <a:solidFill>
-                            <a:schemeClr val="bg1">
-                              <a:lumMod val="75000"/>
-                            </a:schemeClr>
-                          </a:solidFill>
-                          <a:latin typeface="Arial" pitchFamily="34" charset="0"/>
-                          <a:ea typeface="Malgun Gothic" pitchFamily="34" charset="-127"/>
-                          <a:cs typeface="Arial" pitchFamily="34" charset="0"/>
-                        </a:rPr>
-                        <a:t>Krafton</a:t>
-                      </a:r>
-                      <a:r>
-                        <a:rPr kumimoji="0" lang="en-US" altLang="ko-KR" sz="1200" b="1" dirty="0">
-                          <a:solidFill>
-                            <a:schemeClr val="bg1">
-                              <a:lumMod val="75000"/>
-                            </a:schemeClr>
-                          </a:solidFill>
-                          <a:latin typeface="Arial" pitchFamily="34" charset="0"/>
-                          <a:ea typeface="Malgun Gothic" pitchFamily="34" charset="-127"/>
-                          <a:cs typeface="Arial" pitchFamily="34" charset="0"/>
-                        </a:rPr>
-                        <a:t> Internal Use Only</a:t>
-                      </a:r>
-                      <a:endParaRPr lang="ko-KR" altLang="en-US" sz="1200" dirty="0">
-                        <a:solidFill>
-                          <a:schemeClr val="bg1">
-                            <a:lumMod val="75000"/>
-                          </a:schemeClr>
-                        </a:solidFill>
-                        <a:latin typeface="Arial" pitchFamily="34" charset="0"/>
-                        <a:ea typeface="Malgun Gothic" pitchFamily="34" charset="-127"/>
-                        <a:cs typeface="Arial" pitchFamily="34" charset="0"/>
-                      </a:endParaRPr>
-                    </a:p>
-                  </a:txBody>
-                  <a:tcPr>
-                    <a:lnL w="12700" cap="flat" cmpd="sng" algn="ctr">
-                      <a:solidFill>
-                        <a:schemeClr val="bg1">
-                          <a:lumMod val="65000"/>
-                        </a:schemeClr>
-                      </a:solidFill>
-                      <a:prstDash val="solid"/>
-                      <a:round/>
-                      <a:headEnd type="none" w="med" len="med"/>
-                      <a:tailEnd type="none" w="med" len="med"/>
-                    </a:lnL>
-                    <a:lnR w="12700" cap="flat" cmpd="sng" algn="ctr">
-                      <a:solidFill>
-                        <a:schemeClr val="bg1">
-                          <a:lumMod val="65000"/>
-                        </a:schemeClr>
-                      </a:solidFill>
-                      <a:prstDash val="solid"/>
-                      <a:round/>
-                      <a:headEnd type="none" w="med" len="med"/>
-                      <a:tailEnd type="none" w="med" len="med"/>
-                    </a:lnR>
-                    <a:lnT w="12700" cap="flat" cmpd="sng" algn="ctr">
-                      <a:solidFill>
-                        <a:schemeClr val="bg1">
-                          <a:lumMod val="65000"/>
-                        </a:schemeClr>
-                      </a:solidFill>
-                      <a:prstDash val="solid"/>
-                      <a:round/>
-                      <a:headEnd type="none" w="med" len="med"/>
-                      <a:tailEnd type="none" w="med" len="med"/>
-                    </a:lnT>
-                    <a:lnB w="12700" cap="flat" cmpd="sng" algn="ctr">
-                      <a:solidFill>
-                        <a:schemeClr val="bg1">
-                          <a:lumMod val="65000"/>
-                        </a:schemeClr>
-                      </a:solidFill>
-                      <a:prstDash val="solid"/>
-                      <a:round/>
-                      <a:headEnd type="none" w="med" len="med"/>
-                      <a:tailEnd type="none" w="med" len="med"/>
-                    </a:lnB>
-                  </a:tcPr>
-                </a:tc>
-                <a:extLst>
-                  <a:ext uri="{0D108BD9-81ED-4DB2-BD59-A6C34878D82A}">
-                    <a16:rowId xmlns:a16="http://schemas.microsoft.com/office/drawing/2014/main" val="10000"/>
-                  </a:ext>
-                </a:extLst>
-              </a:tr>
-              <a:tr h="182880">
-                <a:tc>
-                  <a:txBody>
-                    <a:bodyPr/>
-                    <a:lstStyle/>
-                    <a:p>
-                      <a:pPr marL="0" marR="0" indent="0" algn="ctr" defTabSz="914400" rtl="0" eaLnBrk="1" fontAlgn="auto" latinLnBrk="1" hangingPunct="1">
-                        <a:lnSpc>
-                          <a:spcPct val="100000"/>
-                        </a:lnSpc>
-                        <a:spcBef>
-                          <a:spcPts val="0"/>
-                        </a:spcBef>
-                        <a:spcAft>
-                          <a:spcPts val="0"/>
-                        </a:spcAft>
-                        <a:buClrTx/>
-                        <a:buSzTx/>
-                        <a:buFontTx/>
-                        <a:buNone/>
-                        <a:tabLst/>
-                        <a:defRPr/>
-                      </a:pPr>
-                      <a:r>
-                        <a:rPr lang="en-US" altLang="ko-KR" sz="1200" b="1" dirty="0">
-                          <a:solidFill>
-                            <a:schemeClr val="bg1">
-                              <a:lumMod val="75000"/>
-                            </a:schemeClr>
-                          </a:solidFill>
-                          <a:latin typeface="Arial" pitchFamily="34" charset="0"/>
-                          <a:ea typeface="Malgun Gothic" pitchFamily="34" charset="-127"/>
-                          <a:cs typeface="Arial" pitchFamily="34" charset="0"/>
-                        </a:rPr>
-                        <a:t>Mandatory</a:t>
-                      </a:r>
-                      <a:endParaRPr lang="ko-KR" altLang="en-US" sz="1200" b="1" dirty="0">
-                        <a:solidFill>
-                          <a:schemeClr val="bg1">
-                            <a:lumMod val="75000"/>
-                          </a:schemeClr>
-                        </a:solidFill>
-                        <a:latin typeface="Arial" pitchFamily="34" charset="0"/>
-                        <a:ea typeface="Malgun Gothic" pitchFamily="34" charset="-127"/>
-                        <a:cs typeface="Arial" pitchFamily="34" charset="0"/>
-                      </a:endParaRPr>
-                    </a:p>
-                  </a:txBody>
-                  <a:tcPr>
-                    <a:lnL w="12700" cap="flat" cmpd="sng" algn="ctr">
-                      <a:solidFill>
-                        <a:schemeClr val="bg1">
-                          <a:lumMod val="65000"/>
-                        </a:schemeClr>
-                      </a:solidFill>
-                      <a:prstDash val="solid"/>
-                      <a:round/>
-                      <a:headEnd type="none" w="med" len="med"/>
-                      <a:tailEnd type="none" w="med" len="med"/>
-                    </a:lnL>
-                    <a:lnR w="12700" cap="flat" cmpd="sng" algn="ctr">
-                      <a:solidFill>
-                        <a:schemeClr val="bg1">
-                          <a:lumMod val="65000"/>
-                        </a:schemeClr>
-                      </a:solidFill>
-                      <a:prstDash val="solid"/>
-                      <a:round/>
-                      <a:headEnd type="none" w="med" len="med"/>
-                      <a:tailEnd type="none" w="med" len="med"/>
-                    </a:lnR>
-                    <a:lnT w="12700" cap="flat" cmpd="sng" algn="ctr">
-                      <a:solidFill>
-                        <a:schemeClr val="bg1">
-                          <a:lumMod val="65000"/>
-                        </a:schemeClr>
-                      </a:solidFill>
-                      <a:prstDash val="solid"/>
-                      <a:round/>
-                      <a:headEnd type="none" w="med" len="med"/>
-                      <a:tailEnd type="none" w="med" len="med"/>
-                    </a:lnT>
-                    <a:lnB w="12700" cap="flat" cmpd="sng" algn="ctr">
-                      <a:solidFill>
-                        <a:schemeClr val="bg1">
-                          <a:lumMod val="65000"/>
-                        </a:schemeClr>
-                      </a:solidFill>
-                      <a:prstDash val="solid"/>
-                      <a:round/>
-                      <a:headEnd type="none" w="med" len="med"/>
-                      <a:tailEnd type="none" w="med" len="med"/>
-                    </a:lnB>
-                  </a:tcPr>
-                </a:tc>
-                <a:extLst>
-                  <a:ext uri="{0D108BD9-81ED-4DB2-BD59-A6C34878D82A}">
-                    <a16:rowId xmlns:a16="http://schemas.microsoft.com/office/drawing/2014/main" val="10001"/>
-                  </a:ext>
-                </a:extLst>
-              </a:tr>
-              <a:tr h="203200">
-                <a:tc>
-                  <a:txBody>
-                    <a:bodyPr/>
-                    <a:lstStyle/>
-                    <a:p>
-                      <a:pPr marL="0" marR="0" indent="0" algn="ctr" defTabSz="914400" rtl="0" eaLnBrk="1" fontAlgn="auto" latinLnBrk="1" hangingPunct="1">
-                        <a:lnSpc>
-                          <a:spcPct val="100000"/>
-                        </a:lnSpc>
-                        <a:spcBef>
-                          <a:spcPts val="0"/>
-                        </a:spcBef>
-                        <a:spcAft>
-                          <a:spcPts val="0"/>
-                        </a:spcAft>
-                        <a:buClrTx/>
-                        <a:buSzTx/>
-                        <a:buFontTx/>
-                        <a:buNone/>
-                        <a:tabLst/>
-                        <a:defRPr/>
-                      </a:pPr>
-                      <a:r>
-                        <a:rPr lang="ko-KR" altLang="en-US" sz="1200" dirty="0">
-                          <a:solidFill>
-                            <a:schemeClr val="bg1">
-                              <a:lumMod val="75000"/>
-                            </a:schemeClr>
-                          </a:solidFill>
-                          <a:latin typeface="Arial" pitchFamily="34" charset="0"/>
-                          <a:ea typeface="Malgun Gothic" pitchFamily="34" charset="-127"/>
-                          <a:cs typeface="Arial" pitchFamily="34" charset="0"/>
-                        </a:rPr>
-                        <a:t>데이터분석실 김승원</a:t>
-                      </a:r>
-                    </a:p>
-                  </a:txBody>
-                  <a:tcPr>
-                    <a:lnL w="12700" cap="flat" cmpd="sng" algn="ctr">
-                      <a:solidFill>
-                        <a:schemeClr val="bg1">
-                          <a:lumMod val="65000"/>
-                        </a:schemeClr>
-                      </a:solidFill>
-                      <a:prstDash val="solid"/>
-                      <a:round/>
-                      <a:headEnd type="none" w="med" len="med"/>
-                      <a:tailEnd type="none" w="med" len="med"/>
-                    </a:lnL>
-                    <a:lnR w="12700" cap="flat" cmpd="sng" algn="ctr">
-                      <a:solidFill>
-                        <a:schemeClr val="bg1">
-                          <a:lumMod val="65000"/>
-                        </a:schemeClr>
-                      </a:solidFill>
-                      <a:prstDash val="solid"/>
-                      <a:round/>
-                      <a:headEnd type="none" w="med" len="med"/>
-                      <a:tailEnd type="none" w="med" len="med"/>
-                    </a:lnR>
-                    <a:lnT w="12700" cap="flat" cmpd="sng" algn="ctr">
-                      <a:solidFill>
-                        <a:schemeClr val="bg1">
-                          <a:lumMod val="65000"/>
-                        </a:schemeClr>
-                      </a:solidFill>
-                      <a:prstDash val="solid"/>
-                      <a:round/>
-                      <a:headEnd type="none" w="med" len="med"/>
-                      <a:tailEnd type="none" w="med" len="med"/>
-                    </a:lnT>
-                    <a:lnB w="12700" cap="flat" cmpd="sng" algn="ctr">
-                      <a:solidFill>
-                        <a:schemeClr val="bg1">
-                          <a:lumMod val="65000"/>
-                        </a:schemeClr>
-                      </a:solidFill>
-                      <a:prstDash val="solid"/>
-                      <a:round/>
-                      <a:headEnd type="none" w="med" len="med"/>
-                      <a:tailEnd type="none" w="med" len="med"/>
-                    </a:lnB>
-                  </a:tcPr>
-                </a:tc>
-                <a:extLst>
-                  <a:ext uri="{0D108BD9-81ED-4DB2-BD59-A6C34878D82A}">
-                    <a16:rowId xmlns:a16="http://schemas.microsoft.com/office/drawing/2014/main" val="10002"/>
-                  </a:ext>
-                </a:extLst>
-              </a:tr>
-            </a:tbl>
-          </a:graphicData>
-        </a:graphic>
-      </p:graphicFrame>
-      <p:sp>
-        <p:nvSpPr>
-          <p:cNvPr id="7" name="Line 52">
-            <a:extLst>
-              <a:ext uri="{FF2B5EF4-FFF2-40B4-BE49-F238E27FC236}">
-                <a16:creationId xmlns:a16="http://schemas.microsoft.com/office/drawing/2014/main" id="{C06A64A1-457E-4D69-A0D6-4EE49D5ECD75}"/>
-              </a:ext>
-            </a:extLst>
-          </p:cNvPr>
-          <p:cNvSpPr>
-            <a:spLocks noChangeShapeType="1"/>
-          </p:cNvSpPr>
-          <p:nvPr userDrawn="1"/>
-        </p:nvSpPr>
-        <p:spPr bwMode="auto">
-          <a:xfrm>
-            <a:off x="10568940" y="222408"/>
-            <a:ext cx="1356433" cy="0"/>
-          </a:xfrm>
-          <a:prstGeom prst="line">
-            <a:avLst/>
-          </a:prstGeom>
-          <a:noFill/>
-          <a:ln w="57150">
-            <a:solidFill>
-              <a:schemeClr val="bg1">
-                <a:lumMod val="85000"/>
-              </a:schemeClr>
-            </a:solidFill>
-            <a:round/>
-            <a:headEnd/>
-            <a:tailEnd/>
-          </a:ln>
-        </p:spPr>
-        <p:txBody>
-          <a:bodyPr anchor="ctr"/>
-          <a:lstStyle/>
-          <a:p>
-            <a:endParaRPr lang="ko-KR" altLang="en-US" sz="1400" dirty="0">
-              <a:solidFill>
-                <a:srgbClr val="000000"/>
-              </a:solidFill>
-            </a:endParaRPr>
-          </a:p>
-        </p:txBody>
-      </p:sp>
-      <p:sp>
-        <p:nvSpPr>
-          <p:cNvPr id="8" name="TextBox 7">
-            <a:extLst>
-              <a:ext uri="{FF2B5EF4-FFF2-40B4-BE49-F238E27FC236}">
-                <a16:creationId xmlns:a16="http://schemas.microsoft.com/office/drawing/2014/main" id="{2F45999E-2403-4003-BBDD-03A807317B31}"/>
-              </a:ext>
-            </a:extLst>
-          </p:cNvPr>
-          <p:cNvSpPr txBox="1"/>
-          <p:nvPr userDrawn="1"/>
-        </p:nvSpPr>
-        <p:spPr>
-          <a:xfrm>
-            <a:off x="10568940" y="332509"/>
-            <a:ext cx="1356433" cy="276999"/>
-          </a:xfrm>
-          <a:prstGeom prst="rect">
-            <a:avLst/>
-          </a:prstGeom>
-          <a:noFill/>
-        </p:spPr>
-        <p:txBody>
-          <a:bodyPr wrap="square" rtlCol="0">
-            <a:spAutoFit/>
-          </a:bodyPr>
-          <a:lstStyle/>
-          <a:p>
-            <a:pPr algn="ctr"/>
-            <a:r>
-              <a:rPr lang="en-US" altLang="ko-KR" sz="1200" dirty="0" err="1">
-                <a:latin typeface="Microsoft YaHei UI" panose="020B0503020204020204" pitchFamily="34" charset="-122"/>
-                <a:ea typeface="Microsoft YaHei UI" panose="020B0503020204020204" pitchFamily="34" charset="-122"/>
-              </a:rPr>
-              <a:t>seungzzang</a:t>
-            </a:r>
-            <a:r>
-              <a:rPr lang="en-US" altLang="ko-KR" sz="1200" dirty="0">
-                <a:latin typeface="Microsoft YaHei UI" panose="020B0503020204020204" pitchFamily="34" charset="-122"/>
-                <a:ea typeface="Microsoft YaHei UI" panose="020B0503020204020204" pitchFamily="34" charset="-122"/>
-              </a:rPr>
-              <a:t>@</a:t>
-            </a:r>
-            <a:endParaRPr lang="ko-KR" altLang="en-US" sz="1200" dirty="0">
-              <a:latin typeface="Microsoft YaHei UI" panose="020B0503020204020204" pitchFamily="34" charset="-122"/>
-            </a:endParaRPr>
-          </a:p>
-        </p:txBody>
-      </p:sp>
-      <p:pic>
-        <p:nvPicPr>
-          <p:cNvPr id="9" name="그림 8">
-            <a:extLst>
-              <a:ext uri="{FF2B5EF4-FFF2-40B4-BE49-F238E27FC236}">
-                <a16:creationId xmlns:a16="http://schemas.microsoft.com/office/drawing/2014/main" id="{314A857A-809F-4C41-8568-58CF35F2A0D6}"/>
-              </a:ext>
-            </a:extLst>
-          </p:cNvPr>
-          <p:cNvPicPr>
-            <a:picLocks noChangeAspect="1"/>
-          </p:cNvPicPr>
-          <p:nvPr userDrawn="1"/>
-        </p:nvPicPr>
-        <p:blipFill>
-          <a:blip r:embed="rId4"/>
-          <a:stretch>
-            <a:fillRect/>
-          </a:stretch>
-        </p:blipFill>
-        <p:spPr>
-          <a:xfrm>
-            <a:off x="5380766" y="3461774"/>
-            <a:ext cx="1590675" cy="1304925"/>
-          </a:xfrm>
-          <a:prstGeom prst="rect">
-            <a:avLst/>
-          </a:prstGeom>
-        </p:spPr>
-      </p:pic>
-    </p:spTree>
-    <p:extLst>
-      <p:ext uri="{BB962C8B-B14F-4D97-AF65-F5344CB8AC3E}">
-        <p14:creationId xmlns:p14="http://schemas.microsoft.com/office/powerpoint/2010/main" val="1834335763"/>
       </p:ext>
     </p:extLst>
   </p:cSld>
@@ -2797,7 +1821,6 @@
   <p:sldLayoutIdLst>
     <p:sldLayoutId id="2147483665" r:id="rId1"/>
     <p:sldLayoutId id="2147483666" r:id="rId2"/>
-    <p:sldLayoutId id="2147483667" r:id="rId3"/>
   </p:sldLayoutIdLst>
   <p:txStyles>
     <p:titleStyle>
@@ -3239,57 +2262,37 @@
       </p:grpSpPr>
       <p:sp>
         <p:nvSpPr>
-          <p:cNvPr id="3" name="부제목 2"/>
+          <p:cNvPr id="2" name="제목 1">
+            <a:extLst>
+              <a:ext uri="{FF2B5EF4-FFF2-40B4-BE49-F238E27FC236}">
+                <a16:creationId xmlns:a16="http://schemas.microsoft.com/office/drawing/2014/main" id="{58334182-F709-40C5-A893-C1E537B93A9C}"/>
+              </a:ext>
+            </a:extLst>
+          </p:cNvPr>
           <p:cNvSpPr>
             <a:spLocks noGrp="1"/>
           </p:cNvSpPr>
           <p:nvPr>
-            <p:ph type="subTitle" idx="1"/>
+            <p:ph type="ctrTitle" sz="quarter"/>
           </p:nvPr>
         </p:nvSpPr>
         <p:spPr/>
         <p:txBody>
-          <a:bodyPr>
-            <a:normAutofit/>
-          </a:bodyPr>
+          <a:bodyPr/>
           <a:lstStyle/>
           <a:p>
-            <a:pPr algn="ctr"/>
-            <a:r>
-              <a:rPr lang="en-US" altLang="ko-KR" b="1" dirty="0" err="1"/>
-              <a:t>SqueezeNet</a:t>
-            </a:r>
-            <a:endParaRPr lang="en-US" altLang="ko-KR" b="1" dirty="0"/>
-          </a:p>
-          <a:p>
-            <a:pPr algn="r"/>
-            <a:endParaRPr lang="en-US" altLang="ko-KR" sz="1800" b="1" dirty="0">
-              <a:solidFill>
-                <a:schemeClr val="bg1">
-                  <a:lumMod val="50000"/>
-                </a:schemeClr>
-              </a:solidFill>
-            </a:endParaRPr>
-          </a:p>
-          <a:p>
-            <a:pPr algn="r"/>
-            <a:r>
-              <a:rPr lang="en-US" altLang="ko-KR" sz="1800" b="1" dirty="0">
-                <a:solidFill>
-                  <a:schemeClr val="bg1">
-                    <a:lumMod val="50000"/>
-                  </a:schemeClr>
-                </a:solidFill>
-              </a:rPr>
-              <a:t>Deep Learning Part</a:t>
-            </a:r>
+            <a:r>
+              <a:rPr lang="en-US" altLang="ko-KR"/>
+              <a:t>Squeezenet</a:t>
+            </a:r>
+            <a:endParaRPr lang="ko-KR" altLang="en-US"/>
           </a:p>
         </p:txBody>
       </p:sp>
     </p:spTree>
     <p:extLst>
       <p:ext uri="{BB962C8B-B14F-4D97-AF65-F5344CB8AC3E}">
-        <p14:creationId xmlns:p14="http://schemas.microsoft.com/office/powerpoint/2010/main" val="1725953312"/>
+        <p14:creationId xmlns:p14="http://schemas.microsoft.com/office/powerpoint/2010/main" val="4289611040"/>
       </p:ext>
     </p:extLst>
   </p:cSld>
